--- a/Part-0-SettingEnvironment/環境設定.pptx
+++ b/Part-0-SettingEnvironment/環境設定.pptx
@@ -11,6 +11,7 @@
     <p:sldId id="258" r:id="rId5"/>
     <p:sldId id="266" r:id="rId6"/>
     <p:sldId id="271" r:id="rId7"/>
+    <p:sldId id="272" r:id="rId8"/>
   </p:sldIdLst>
   <p:sldSz cx="12192000" cy="6858000"/>
   <p:notesSz cx="6858000" cy="9144000"/>
@@ -839,7 +840,7 @@
           <a:p>
             <a:fld id="{F446BB86-F09E-4FED-B7A5-8D3B59B06E94}" type="datetimeFigureOut">
               <a:rPr lang="zh-TW" altLang="en-US" smtClean="0"/>
-              <a:t>2016/6/7</a:t>
+              <a:t>2016/6/8</a:t>
             </a:fld>
             <a:endParaRPr lang="zh-TW" altLang="en-US"/>
           </a:p>
@@ -1090,7 +1091,7 @@
           <a:p>
             <a:fld id="{F446BB86-F09E-4FED-B7A5-8D3B59B06E94}" type="datetimeFigureOut">
               <a:rPr lang="zh-TW" altLang="en-US" smtClean="0"/>
-              <a:t>2016/6/7</a:t>
+              <a:t>2016/6/8</a:t>
             </a:fld>
             <a:endParaRPr lang="zh-TW" altLang="en-US"/>
           </a:p>
@@ -1404,7 +1405,7 @@
           <a:p>
             <a:fld id="{F446BB86-F09E-4FED-B7A5-8D3B59B06E94}" type="datetimeFigureOut">
               <a:rPr lang="zh-TW" altLang="en-US" smtClean="0"/>
-              <a:t>2016/6/7</a:t>
+              <a:t>2016/6/8</a:t>
             </a:fld>
             <a:endParaRPr lang="zh-TW" altLang="en-US"/>
           </a:p>
@@ -1745,7 +1746,7 @@
           <a:p>
             <a:fld id="{F446BB86-F09E-4FED-B7A5-8D3B59B06E94}" type="datetimeFigureOut">
               <a:rPr lang="zh-TW" altLang="en-US" smtClean="0"/>
-              <a:t>2016/6/7</a:t>
+              <a:t>2016/6/8</a:t>
             </a:fld>
             <a:endParaRPr lang="zh-TW" altLang="en-US"/>
           </a:p>
@@ -2059,7 +2060,7 @@
           <a:p>
             <a:fld id="{F446BB86-F09E-4FED-B7A5-8D3B59B06E94}" type="datetimeFigureOut">
               <a:rPr lang="zh-TW" altLang="en-US" smtClean="0"/>
-              <a:t>2016/6/7</a:t>
+              <a:t>2016/6/8</a:t>
             </a:fld>
             <a:endParaRPr lang="zh-TW" altLang="en-US"/>
           </a:p>
@@ -2452,7 +2453,7 @@
           <a:p>
             <a:fld id="{F446BB86-F09E-4FED-B7A5-8D3B59B06E94}" type="datetimeFigureOut">
               <a:rPr lang="zh-TW" altLang="en-US" smtClean="0"/>
-              <a:t>2016/6/7</a:t>
+              <a:t>2016/6/8</a:t>
             </a:fld>
             <a:endParaRPr lang="zh-TW" altLang="en-US"/>
           </a:p>
@@ -2622,7 +2623,7 @@
           <a:p>
             <a:fld id="{F446BB86-F09E-4FED-B7A5-8D3B59B06E94}" type="datetimeFigureOut">
               <a:rPr lang="zh-TW" altLang="en-US" smtClean="0"/>
-              <a:t>2016/6/7</a:t>
+              <a:t>2016/6/8</a:t>
             </a:fld>
             <a:endParaRPr lang="zh-TW" altLang="en-US"/>
           </a:p>
@@ -2802,7 +2803,7 @@
           <a:p>
             <a:fld id="{F446BB86-F09E-4FED-B7A5-8D3B59B06E94}" type="datetimeFigureOut">
               <a:rPr lang="zh-TW" altLang="en-US" smtClean="0"/>
-              <a:t>2016/6/7</a:t>
+              <a:t>2016/6/8</a:t>
             </a:fld>
             <a:endParaRPr lang="zh-TW" altLang="en-US"/>
           </a:p>
@@ -2978,7 +2979,7 @@
           <a:p>
             <a:fld id="{F446BB86-F09E-4FED-B7A5-8D3B59B06E94}" type="datetimeFigureOut">
               <a:rPr lang="zh-TW" altLang="en-US" smtClean="0"/>
-              <a:t>2016/6/7</a:t>
+              <a:t>2016/6/8</a:t>
             </a:fld>
             <a:endParaRPr lang="zh-TW" altLang="en-US"/>
           </a:p>
@@ -3225,7 +3226,7 @@
           <a:p>
             <a:fld id="{F446BB86-F09E-4FED-B7A5-8D3B59B06E94}" type="datetimeFigureOut">
               <a:rPr lang="zh-TW" altLang="en-US" smtClean="0"/>
-              <a:t>2016/6/7</a:t>
+              <a:t>2016/6/8</a:t>
             </a:fld>
             <a:endParaRPr lang="zh-TW" altLang="en-US"/>
           </a:p>
@@ -3457,7 +3458,7 @@
           <a:p>
             <a:fld id="{F446BB86-F09E-4FED-B7A5-8D3B59B06E94}" type="datetimeFigureOut">
               <a:rPr lang="zh-TW" altLang="en-US" smtClean="0"/>
-              <a:t>2016/6/7</a:t>
+              <a:t>2016/6/8</a:t>
             </a:fld>
             <a:endParaRPr lang="zh-TW" altLang="en-US"/>
           </a:p>
@@ -3831,7 +3832,7 @@
           <a:p>
             <a:fld id="{F446BB86-F09E-4FED-B7A5-8D3B59B06E94}" type="datetimeFigureOut">
               <a:rPr lang="zh-TW" altLang="en-US" smtClean="0"/>
-              <a:t>2016/6/7</a:t>
+              <a:t>2016/6/8</a:t>
             </a:fld>
             <a:endParaRPr lang="zh-TW" altLang="en-US"/>
           </a:p>
@@ -3954,7 +3955,7 @@
           <a:p>
             <a:fld id="{F446BB86-F09E-4FED-B7A5-8D3B59B06E94}" type="datetimeFigureOut">
               <a:rPr lang="zh-TW" altLang="en-US" smtClean="0"/>
-              <a:t>2016/6/7</a:t>
+              <a:t>2016/6/8</a:t>
             </a:fld>
             <a:endParaRPr lang="zh-TW" altLang="en-US"/>
           </a:p>
@@ -4049,7 +4050,7 @@
           <a:p>
             <a:fld id="{F446BB86-F09E-4FED-B7A5-8D3B59B06E94}" type="datetimeFigureOut">
               <a:rPr lang="zh-TW" altLang="en-US" smtClean="0"/>
-              <a:t>2016/6/7</a:t>
+              <a:t>2016/6/8</a:t>
             </a:fld>
             <a:endParaRPr lang="zh-TW" altLang="en-US"/>
           </a:p>
@@ -4304,7 +4305,7 @@
           <a:p>
             <a:fld id="{F446BB86-F09E-4FED-B7A5-8D3B59B06E94}" type="datetimeFigureOut">
               <a:rPr lang="zh-TW" altLang="en-US" smtClean="0"/>
-              <a:t>2016/6/7</a:t>
+              <a:t>2016/6/8</a:t>
             </a:fld>
             <a:endParaRPr lang="zh-TW" altLang="en-US"/>
           </a:p>
@@ -4567,7 +4568,7 @@
           <a:p>
             <a:fld id="{F446BB86-F09E-4FED-B7A5-8D3B59B06E94}" type="datetimeFigureOut">
               <a:rPr lang="zh-TW" altLang="en-US" smtClean="0"/>
-              <a:t>2016/6/7</a:t>
+              <a:t>2016/6/8</a:t>
             </a:fld>
             <a:endParaRPr lang="zh-TW" altLang="en-US"/>
           </a:p>
@@ -5310,7 +5311,7 @@
           <a:p>
             <a:fld id="{F446BB86-F09E-4FED-B7A5-8D3B59B06E94}" type="datetimeFigureOut">
               <a:rPr lang="zh-TW" altLang="en-US" smtClean="0"/>
-              <a:t>2016/6/7</a:t>
+              <a:t>2016/6/8</a:t>
             </a:fld>
             <a:endParaRPr lang="zh-TW" altLang="en-US"/>
           </a:p>
@@ -6403,22 +6404,22 @@
           <a:lstStyle/>
           <a:p>
             <a:r>
-              <a:rPr lang="zh-TW" altLang="en-US"/>
+              <a:rPr lang="zh-TW" altLang="en-US" dirty="0"/>
               <a:t>環境設定 </a:t>
             </a:r>
             <a:r>
-              <a:rPr lang="en-US" altLang="zh-TW"/>
+              <a:rPr lang="en-US" altLang="zh-TW" dirty="0"/>
               <a:t>–</a:t>
             </a:r>
             <a:r>
-              <a:rPr lang="zh-TW" altLang="en-US"/>
+              <a:rPr lang="zh-TW" altLang="en-US" dirty="0"/>
               <a:t> </a:t>
             </a:r>
             <a:r>
-              <a:rPr lang="en-US" altLang="zh-TW"/>
+              <a:rPr lang="en-US" altLang="zh-TW" dirty="0"/>
               <a:t>Visual Studio Code</a:t>
             </a:r>
-            <a:endParaRPr lang="zh-TW" altLang="en-US"/>
+            <a:endParaRPr lang="zh-TW" altLang="en-US" dirty="0"/>
           </a:p>
         </p:txBody>
       </p:sp>
@@ -7031,6 +7032,136 @@
     <p:extLst>
       <p:ext uri="{BB962C8B-B14F-4D97-AF65-F5344CB8AC3E}">
         <p14:creationId xmlns:p14="http://schemas.microsoft.com/office/powerpoint/2010/main" val="3642259918"/>
+      </p:ext>
+    </p:extLst>
+  </p:cSld>
+  <p:clrMapOvr>
+    <a:masterClrMapping/>
+  </p:clrMapOvr>
+</p:sld>
+</file>
+
+<file path=ppt/slides/slide7.xml><?xml version="1.0" encoding="utf-8"?>
+<p:sld xmlns:a="http://schemas.openxmlformats.org/drawingml/2006/main" xmlns:r="http://schemas.openxmlformats.org/officeDocument/2006/relationships" xmlns:p="http://schemas.openxmlformats.org/presentationml/2006/main">
+  <p:cSld>
+    <p:spTree>
+      <p:nvGrpSpPr>
+        <p:cNvPr id="1" name=""/>
+        <p:cNvGrpSpPr/>
+        <p:nvPr/>
+      </p:nvGrpSpPr>
+      <p:grpSpPr>
+        <a:xfrm>
+          <a:off x="0" y="0"/>
+          <a:ext cx="0" cy="0"/>
+          <a:chOff x="0" y="0"/>
+          <a:chExt cx="0" cy="0"/>
+        </a:xfrm>
+      </p:grpSpPr>
+      <p:sp>
+        <p:nvSpPr>
+          <p:cNvPr id="2" name="標題 1"/>
+          <p:cNvSpPr>
+            <a:spLocks noGrp="1"/>
+          </p:cNvSpPr>
+          <p:nvPr>
+            <p:ph type="title"/>
+          </p:nvPr>
+        </p:nvSpPr>
+        <p:spPr/>
+        <p:txBody>
+          <a:bodyPr/>
+          <a:lstStyle/>
+          <a:p>
+            <a:r>
+              <a:rPr lang="zh-TW" altLang="en-US" dirty="0"/>
+              <a:t>環境設定 </a:t>
+            </a:r>
+            <a:r>
+              <a:rPr lang="en-US" altLang="zh-TW" dirty="0"/>
+              <a:t>–</a:t>
+            </a:r>
+            <a:r>
+              <a:rPr lang="zh-TW" altLang="en-US" dirty="0"/>
+              <a:t> </a:t>
+            </a:r>
+            <a:r>
+              <a:rPr lang="en-US" altLang="zh-TW" dirty="0"/>
+              <a:t>GitHub</a:t>
+            </a:r>
+            <a:r>
+              <a:rPr lang="zh-TW" altLang="en-US" dirty="0"/>
+              <a:t> </a:t>
+            </a:r>
+            <a:r>
+              <a:rPr lang="en-US" altLang="zh-TW" dirty="0"/>
+              <a:t>Remote</a:t>
+            </a:r>
+            <a:r>
+              <a:rPr lang="zh-TW" altLang="en-US" dirty="0"/>
+              <a:t> </a:t>
+            </a:r>
+            <a:r>
+              <a:rPr lang="en-US" altLang="zh-TW" dirty="0"/>
+              <a:t>Fork</a:t>
+            </a:r>
+            <a:r>
+              <a:rPr lang="zh-TW" altLang="en-US" dirty="0"/>
+              <a:t> </a:t>
+            </a:r>
+            <a:r>
+              <a:rPr lang="en-US" altLang="zh-TW" dirty="0"/>
+              <a:t>Sync</a:t>
+            </a:r>
+            <a:endParaRPr lang="zh-TW" altLang="en-US" dirty="0"/>
+          </a:p>
+        </p:txBody>
+      </p:sp>
+      <p:sp>
+        <p:nvSpPr>
+          <p:cNvPr id="3" name="內容版面配置區 2"/>
+          <p:cNvSpPr>
+            <a:spLocks noGrp="1"/>
+          </p:cNvSpPr>
+          <p:nvPr>
+            <p:ph idx="1"/>
+          </p:nvPr>
+        </p:nvSpPr>
+        <p:spPr/>
+        <p:txBody>
+          <a:bodyPr/>
+          <a:lstStyle/>
+          <a:p>
+            <a:r>
+              <a:rPr lang="en-US" altLang="zh-TW" dirty="0"/>
+              <a:t>https://help.github.com/articles/cloning-a-repository/</a:t>
+            </a:r>
+          </a:p>
+          <a:p>
+            <a:endParaRPr lang="en-US" altLang="zh-TW" dirty="0"/>
+          </a:p>
+          <a:p>
+            <a:r>
+              <a:rPr lang="en-US" altLang="zh-TW" dirty="0"/>
+              <a:t>https://help.github.com/articles/configuring-a-remote-for-a-fork/</a:t>
+            </a:r>
+          </a:p>
+          <a:p>
+            <a:endParaRPr lang="en-US" altLang="zh-TW" dirty="0"/>
+          </a:p>
+          <a:p>
+            <a:r>
+              <a:rPr lang="en-US" altLang="zh-TW"/>
+              <a:t>https://help.github.com/articles/syncing-a-fork/</a:t>
+            </a:r>
+            <a:endParaRPr lang="zh-TW" altLang="en-US"/>
+          </a:p>
+        </p:txBody>
+      </p:sp>
+    </p:spTree>
+    <p:extLst>
+      <p:ext uri="{BB962C8B-B14F-4D97-AF65-F5344CB8AC3E}">
+        <p14:creationId xmlns:p14="http://schemas.microsoft.com/office/powerpoint/2010/main" val="1689007087"/>
       </p:ext>
     </p:extLst>
   </p:cSld>
